--- a/Sonstiges/LUDO.pptx
+++ b/Sonstiges/LUDO.pptx
@@ -114,6 +114,11 @@
       </a:defRPr>
     </a:lvl9pPr>
   </p:defaultTextStyle>
+  <p:extLst>
+    <p:ext uri="{EFAFB233-063F-42B5-8137-9DF3F51BA10A}">
+      <p15:sldGuideLst xmlns:p15="http://schemas.microsoft.com/office/powerpoint/2012/main"/>
+    </p:ext>
+  </p:extLst>
 </p:presentation>
 </file>
 
@@ -4089,7 +4094,7 @@
           <a:p>
             <a:fld id="{F3FCAECA-CA18-469E-92B3-E2B6008A4A9D}" type="datetimeFigureOut">
               <a:rPr lang="de-DE" smtClean="0"/>
-              <a:t>05.07.2018</a:t>
+              <a:t>07.07.2018</a:t>
             </a:fld>
             <a:endParaRPr lang="de-DE"/>
           </a:p>
@@ -4259,7 +4264,7 @@
           <a:p>
             <a:fld id="{F3FCAECA-CA18-469E-92B3-E2B6008A4A9D}" type="datetimeFigureOut">
               <a:rPr lang="de-DE" smtClean="0"/>
-              <a:t>05.07.2018</a:t>
+              <a:t>07.07.2018</a:t>
             </a:fld>
             <a:endParaRPr lang="de-DE"/>
           </a:p>
@@ -4439,7 +4444,7 @@
           <a:p>
             <a:fld id="{F3FCAECA-CA18-469E-92B3-E2B6008A4A9D}" type="datetimeFigureOut">
               <a:rPr lang="de-DE" smtClean="0"/>
-              <a:t>05.07.2018</a:t>
+              <a:t>07.07.2018</a:t>
             </a:fld>
             <a:endParaRPr lang="de-DE"/>
           </a:p>
@@ -4726,7 +4731,7 @@
           <a:p>
             <a:fld id="{F3FCAECA-CA18-469E-92B3-E2B6008A4A9D}" type="datetimeFigureOut">
               <a:rPr lang="de-DE" smtClean="0"/>
-              <a:t>05.07.2018</a:t>
+              <a:t>07.07.2018</a:t>
             </a:fld>
             <a:endParaRPr lang="de-DE"/>
           </a:p>
@@ -4938,7 +4943,7 @@
           <a:p>
             <a:fld id="{F3FCAECA-CA18-469E-92B3-E2B6008A4A9D}" type="datetimeFigureOut">
               <a:rPr lang="de-DE" smtClean="0"/>
-              <a:t>05.07.2018</a:t>
+              <a:t>07.07.2018</a:t>
             </a:fld>
             <a:endParaRPr lang="de-DE"/>
           </a:p>
@@ -5281,7 +5286,7 @@
           <a:p>
             <a:fld id="{F3FCAECA-CA18-469E-92B3-E2B6008A4A9D}" type="datetimeFigureOut">
               <a:rPr lang="de-DE" smtClean="0"/>
-              <a:t>05.07.2018</a:t>
+              <a:t>07.07.2018</a:t>
             </a:fld>
             <a:endParaRPr lang="de-DE"/>
           </a:p>
@@ -5556,7 +5561,7 @@
           <a:p>
             <a:fld id="{F3FCAECA-CA18-469E-92B3-E2B6008A4A9D}" type="datetimeFigureOut">
               <a:rPr lang="de-DE" smtClean="0"/>
-              <a:t>05.07.2018</a:t>
+              <a:t>07.07.2018</a:t>
             </a:fld>
             <a:endParaRPr lang="de-DE"/>
           </a:p>
@@ -5935,7 +5940,7 @@
           <a:p>
             <a:fld id="{F3FCAECA-CA18-469E-92B3-E2B6008A4A9D}" type="datetimeFigureOut">
               <a:rPr lang="de-DE" smtClean="0"/>
-              <a:t>05.07.2018</a:t>
+              <a:t>07.07.2018</a:t>
             </a:fld>
             <a:endParaRPr lang="de-DE"/>
           </a:p>
@@ -6053,7 +6058,7 @@
           <a:p>
             <a:fld id="{F3FCAECA-CA18-469E-92B3-E2B6008A4A9D}" type="datetimeFigureOut">
               <a:rPr lang="de-DE" smtClean="0"/>
-              <a:t>05.07.2018</a:t>
+              <a:t>07.07.2018</a:t>
             </a:fld>
             <a:endParaRPr lang="de-DE"/>
           </a:p>
@@ -6224,7 +6229,7 @@
           <a:p>
             <a:fld id="{F3FCAECA-CA18-469E-92B3-E2B6008A4A9D}" type="datetimeFigureOut">
               <a:rPr lang="de-DE" smtClean="0"/>
-              <a:t>05.07.2018</a:t>
+              <a:t>07.07.2018</a:t>
             </a:fld>
             <a:endParaRPr lang="de-DE"/>
           </a:p>
@@ -6578,7 +6583,7 @@
           <a:p>
             <a:fld id="{F3FCAECA-CA18-469E-92B3-E2B6008A4A9D}" type="datetimeFigureOut">
               <a:rPr lang="de-DE" smtClean="0"/>
-              <a:t>05.07.2018</a:t>
+              <a:t>07.07.2018</a:t>
             </a:fld>
             <a:endParaRPr lang="de-DE"/>
           </a:p>
@@ -6769,7 +6774,7 @@
           <a:p>
             <a:fld id="{F3FCAECA-CA18-469E-92B3-E2B6008A4A9D}" type="datetimeFigureOut">
               <a:rPr lang="de-DE" smtClean="0"/>
-              <a:t>05.07.2018</a:t>
+              <a:t>07.07.2018</a:t>
             </a:fld>
             <a:endParaRPr lang="de-DE"/>
           </a:p>
@@ -7130,7 +7135,7 @@
           <a:p>
             <a:fld id="{F3FCAECA-CA18-469E-92B3-E2B6008A4A9D}" type="datetimeFigureOut">
               <a:rPr lang="de-DE" smtClean="0"/>
-              <a:t>05.07.2018</a:t>
+              <a:t>07.07.2018</a:t>
             </a:fld>
             <a:endParaRPr lang="de-DE"/>
           </a:p>
@@ -7300,7 +7305,7 @@
           <a:p>
             <a:fld id="{F3FCAECA-CA18-469E-92B3-E2B6008A4A9D}" type="datetimeFigureOut">
               <a:rPr lang="de-DE" smtClean="0"/>
-              <a:t>05.07.2018</a:t>
+              <a:t>07.07.2018</a:t>
             </a:fld>
             <a:endParaRPr lang="de-DE"/>
           </a:p>
@@ -7556,7 +7561,7 @@
           <a:p>
             <a:fld id="{F3FCAECA-CA18-469E-92B3-E2B6008A4A9D}" type="datetimeFigureOut">
               <a:rPr lang="de-DE" smtClean="0"/>
-              <a:t>05.07.2018</a:t>
+              <a:t>07.07.2018</a:t>
             </a:fld>
             <a:endParaRPr lang="de-DE"/>
           </a:p>
@@ -7807,7 +7812,7 @@
           <a:p>
             <a:fld id="{F3FCAECA-CA18-469E-92B3-E2B6008A4A9D}" type="datetimeFigureOut">
               <a:rPr lang="de-DE" smtClean="0"/>
-              <a:t>05.07.2018</a:t>
+              <a:t>07.07.2018</a:t>
             </a:fld>
             <a:endParaRPr lang="de-DE"/>
           </a:p>
@@ -8039,7 +8044,7 @@
           <a:p>
             <a:fld id="{F3FCAECA-CA18-469E-92B3-E2B6008A4A9D}" type="datetimeFigureOut">
               <a:rPr lang="de-DE" smtClean="0"/>
-              <a:t>05.07.2018</a:t>
+              <a:t>07.07.2018</a:t>
             </a:fld>
             <a:endParaRPr lang="de-DE"/>
           </a:p>
@@ -8386,7 +8391,7 @@
           <a:p>
             <a:fld id="{F3FCAECA-CA18-469E-92B3-E2B6008A4A9D}" type="datetimeFigureOut">
               <a:rPr lang="de-DE" smtClean="0"/>
-              <a:t>05.07.2018</a:t>
+              <a:t>07.07.2018</a:t>
             </a:fld>
             <a:endParaRPr lang="de-DE"/>
           </a:p>
@@ -8504,7 +8509,7 @@
           <a:p>
             <a:fld id="{F3FCAECA-CA18-469E-92B3-E2B6008A4A9D}" type="datetimeFigureOut">
               <a:rPr lang="de-DE" smtClean="0"/>
-              <a:t>05.07.2018</a:t>
+              <a:t>07.07.2018</a:t>
             </a:fld>
             <a:endParaRPr lang="de-DE"/>
           </a:p>
@@ -8622,7 +8627,7 @@
           <a:p>
             <a:fld id="{F3FCAECA-CA18-469E-92B3-E2B6008A4A9D}" type="datetimeFigureOut">
               <a:rPr lang="de-DE" smtClean="0"/>
-              <a:t>05.07.2018</a:t>
+              <a:t>07.07.2018</a:t>
             </a:fld>
             <a:endParaRPr lang="de-DE"/>
           </a:p>
@@ -8906,7 +8911,7 @@
           <a:p>
             <a:fld id="{F3FCAECA-CA18-469E-92B3-E2B6008A4A9D}" type="datetimeFigureOut">
               <a:rPr lang="de-DE" smtClean="0"/>
-              <a:t>05.07.2018</a:t>
+              <a:t>07.07.2018</a:t>
             </a:fld>
             <a:endParaRPr lang="de-DE"/>
           </a:p>
@@ -9170,7 +9175,7 @@
           <a:p>
             <a:fld id="{F3FCAECA-CA18-469E-92B3-E2B6008A4A9D}" type="datetimeFigureOut">
               <a:rPr lang="de-DE" smtClean="0"/>
-              <a:t>05.07.2018</a:t>
+              <a:t>07.07.2018</a:t>
             </a:fld>
             <a:endParaRPr lang="de-DE"/>
           </a:p>
@@ -9384,7 +9389,7 @@
           <a:p>
             <a:fld id="{F3FCAECA-CA18-469E-92B3-E2B6008A4A9D}" type="datetimeFigureOut">
               <a:rPr lang="de-DE" smtClean="0"/>
-              <a:t>05.07.2018</a:t>
+              <a:t>07.07.2018</a:t>
             </a:fld>
             <a:endParaRPr lang="de-DE"/>
           </a:p>
@@ -9987,7 +9992,7 @@
           <a:p>
             <a:fld id="{F3FCAECA-CA18-469E-92B3-E2B6008A4A9D}" type="datetimeFigureOut">
               <a:rPr lang="de-DE" smtClean="0"/>
-              <a:t>05.07.2018</a:t>
+              <a:t>07.07.2018</a:t>
             </a:fld>
             <a:endParaRPr lang="de-DE"/>
           </a:p>
@@ -11033,27 +11038,7 @@
             </a:pPr>
             <a:r>
               <a:rPr lang="de-DE" dirty="0"/>
-              <a:t>YAML – 1 Person</a:t>
-            </a:r>
-          </a:p>
-          <a:p>
-            <a:pPr marL="514350" indent="-514350">
-              <a:buFont typeface="+mj-lt"/>
-              <a:buAutoNum type="arabicPeriod"/>
-            </a:pPr>
-            <a:r>
-              <a:rPr lang="de-DE" dirty="0"/>
-              <a:t>HTML – 1 Person</a:t>
-            </a:r>
-          </a:p>
-          <a:p>
-            <a:pPr marL="514350" indent="-514350">
-              <a:buFont typeface="+mj-lt"/>
-              <a:buAutoNum type="arabicPeriod"/>
-            </a:pPr>
-            <a:r>
-              <a:rPr lang="de-DE" dirty="0"/>
-              <a:t>CSS – 1 Person</a:t>
+              <a:t>YAML, HTML, CSS – 1 Person</a:t>
             </a:r>
           </a:p>
         </p:txBody>
@@ -11141,12 +11126,12 @@
         <p:spPr>
           <a:xfrm>
             <a:off x="1097280" y="1845734"/>
-            <a:ext cx="10058400" cy="4023360"/>
+            <a:ext cx="3550221" cy="4023360"/>
           </a:xfrm>
         </p:spPr>
         <p:txBody>
           <a:bodyPr>
-            <a:normAutofit fontScale="70000" lnSpcReduction="20000"/>
+            <a:normAutofit fontScale="85000" lnSpcReduction="20000"/>
           </a:bodyPr>
           <a:lstStyle/>
           <a:p>
@@ -11287,38 +11272,134 @@
               <a:t>MongoDB Compass – 1 Person</a:t>
             </a:r>
           </a:p>
-          <a:p>
-            <a:pPr marL="514350" indent="-514350">
-              <a:buFont typeface="+mj-lt"/>
-              <a:buAutoNum type="arabicPeriod"/>
+        </p:txBody>
+      </p:sp>
+      <p:sp>
+        <p:nvSpPr>
+          <p:cNvPr id="4" name="Textfeld 3">
+            <a:extLst>
+              <a:ext uri="{FF2B5EF4-FFF2-40B4-BE49-F238E27FC236}">
+                <a16:creationId xmlns:a16="http://schemas.microsoft.com/office/drawing/2014/main" id="{AF0A85A2-51C5-480D-9A1E-9B296D05D2A2}"/>
+              </a:ext>
+            </a:extLst>
+          </p:cNvPr>
+          <p:cNvSpPr txBox="1"/>
+          <p:nvPr/>
+        </p:nvSpPr>
+        <p:spPr>
+          <a:xfrm>
+            <a:off x="6126480" y="1845734"/>
+            <a:ext cx="4236440" cy="1400383"/>
+          </a:xfrm>
+          <a:prstGeom prst="rect">
+            <a:avLst/>
+          </a:prstGeom>
+          <a:noFill/>
+        </p:spPr>
+        <p:txBody>
+          <a:bodyPr wrap="square" rtlCol="0">
+            <a:spAutoFit/>
+          </a:bodyPr>
+          <a:lstStyle/>
+          <a:p>
+            <a:r>
+              <a:rPr lang="de-DE" sz="1700" dirty="0">
+                <a:solidFill>
+                  <a:schemeClr val="tx1">
+                    <a:lumMod val="75000"/>
+                    <a:lumOff val="25000"/>
+                  </a:schemeClr>
+                </a:solidFill>
+              </a:rPr>
+              <a:t>Diverse Editoren: </a:t>
+            </a:r>
+          </a:p>
+          <a:p>
+            <a:pPr marL="806958" lvl="1" indent="-514350">
+              <a:buFont typeface="Arial" panose="020B0604020202020204" pitchFamily="34" charset="0"/>
+              <a:buChar char="•"/>
             </a:pPr>
             <a:r>
-              <a:rPr lang="de-DE" dirty="0"/>
-              <a:t>Diverse Editoren: </a:t>
-            </a:r>
-            <a:r>
-              <a:rPr lang="de-DE" dirty="0" err="1"/>
+              <a:rPr lang="de-DE" sz="1700" dirty="0" err="1">
+                <a:solidFill>
+                  <a:schemeClr val="tx1">
+                    <a:lumMod val="75000"/>
+                    <a:lumOff val="25000"/>
+                  </a:schemeClr>
+                </a:solidFill>
+              </a:rPr>
               <a:t>SublimeText</a:t>
             </a:r>
             <a:r>
-              <a:rPr lang="de-DE" dirty="0"/>
+              <a:rPr lang="de-DE" sz="1700" dirty="0">
+                <a:solidFill>
+                  <a:schemeClr val="tx1">
+                    <a:lumMod val="75000"/>
+                    <a:lumOff val="25000"/>
+                  </a:schemeClr>
+                </a:solidFill>
+              </a:rPr>
               <a:t>, </a:t>
             </a:r>
-            <a:r>
-              <a:rPr lang="de-DE" dirty="0" err="1"/>
+          </a:p>
+          <a:p>
+            <a:pPr marL="806958" lvl="1" indent="-514350">
+              <a:buFont typeface="Arial" panose="020B0604020202020204" pitchFamily="34" charset="0"/>
+              <a:buChar char="•"/>
+            </a:pPr>
+            <a:r>
+              <a:rPr lang="de-DE" sz="1700" dirty="0" err="1">
+                <a:solidFill>
+                  <a:schemeClr val="tx1">
+                    <a:lumMod val="75000"/>
+                    <a:lumOff val="25000"/>
+                  </a:schemeClr>
+                </a:solidFill>
+              </a:rPr>
               <a:t>Typora</a:t>
             </a:r>
-            <a:r>
-              <a:rPr lang="de-DE" dirty="0"/>
-              <a:t>(je 2 Personen),  Atom und Notepad++(je 1 Person)</a:t>
-            </a:r>
-          </a:p>
-          <a:p>
-            <a:pPr marL="514350" indent="-514350">
-              <a:buFont typeface="+mj-lt"/>
-              <a:buAutoNum type="arabicPeriod"/>
+            <a:endParaRPr lang="de-DE" sz="1700" dirty="0">
+              <a:solidFill>
+                <a:schemeClr val="tx1">
+                  <a:lumMod val="75000"/>
+                  <a:lumOff val="25000"/>
+                </a:schemeClr>
+              </a:solidFill>
+            </a:endParaRPr>
+          </a:p>
+          <a:p>
+            <a:pPr marL="806958" lvl="1" indent="-514350">
+              <a:buFont typeface="Arial" panose="020B0604020202020204" pitchFamily="34" charset="0"/>
+              <a:buChar char="•"/>
             </a:pPr>
-            <a:endParaRPr lang="de-DE" dirty="0"/>
+            <a:r>
+              <a:rPr lang="de-DE" sz="1700" dirty="0">
+                <a:solidFill>
+                  <a:schemeClr val="tx1">
+                    <a:lumMod val="75000"/>
+                    <a:lumOff val="25000"/>
+                  </a:schemeClr>
+                </a:solidFill>
+              </a:rPr>
+              <a:t>Atom</a:t>
+            </a:r>
+          </a:p>
+          <a:p>
+            <a:pPr marL="806958" lvl="1" indent="-514350">
+              <a:buFont typeface="Arial" panose="020B0604020202020204" pitchFamily="34" charset="0"/>
+              <a:buChar char="•"/>
+            </a:pPr>
+            <a:r>
+              <a:rPr lang="de-DE" sz="1700" dirty="0">
+                <a:solidFill>
+                  <a:schemeClr val="tx1">
+                    <a:lumMod val="75000"/>
+                    <a:lumOff val="25000"/>
+                  </a:schemeClr>
+                </a:solidFill>
+              </a:rPr>
+              <a:t>Notepad++</a:t>
+            </a:r>
           </a:p>
         </p:txBody>
       </p:sp>
